--- a/Bash_shell.pptx
+++ b/Bash_shell.pptx
@@ -236,7 +236,7 @@
           <a:p>
             <a:fld id="{08F62E20-B1AA-3442-B8F1-F4A56998389D}" type="datetimeFigureOut">
               <a:rPr lang="en-US" smtClean="0"/>
-              <a:t>10/2/17</a:t>
+              <a:t>5/14/18</a:t>
             </a:fld>
             <a:endParaRPr lang="en-US"/>
           </a:p>
@@ -1113,7 +1113,7 @@
           <a:p>
             <a:fld id="{2691D6E4-0F7A-0249-86EF-226720E50E4C}" type="datetimeFigureOut">
               <a:rPr lang="en-US" smtClean="0"/>
-              <a:t>10/2/17</a:t>
+              <a:t>5/14/18</a:t>
             </a:fld>
             <a:endParaRPr lang="en-US"/>
           </a:p>
@@ -1307,7 +1307,7 @@
           <a:p>
             <a:fld id="{2691D6E4-0F7A-0249-86EF-226720E50E4C}" type="datetimeFigureOut">
               <a:rPr lang="en-US" smtClean="0"/>
-              <a:t>10/2/17</a:t>
+              <a:t>5/14/18</a:t>
             </a:fld>
             <a:endParaRPr lang="en-US"/>
           </a:p>
@@ -1511,7 +1511,7 @@
           <a:p>
             <a:fld id="{2691D6E4-0F7A-0249-86EF-226720E50E4C}" type="datetimeFigureOut">
               <a:rPr lang="en-US" smtClean="0"/>
-              <a:t>10/2/17</a:t>
+              <a:t>5/14/18</a:t>
             </a:fld>
             <a:endParaRPr lang="en-US"/>
           </a:p>
@@ -1705,7 +1705,7 @@
           <a:p>
             <a:fld id="{2691D6E4-0F7A-0249-86EF-226720E50E4C}" type="datetimeFigureOut">
               <a:rPr lang="en-US" smtClean="0"/>
-              <a:t>10/2/17</a:t>
+              <a:t>5/14/18</a:t>
             </a:fld>
             <a:endParaRPr lang="en-US"/>
           </a:p>
@@ -1975,7 +1975,7 @@
           <a:p>
             <a:fld id="{2691D6E4-0F7A-0249-86EF-226720E50E4C}" type="datetimeFigureOut">
               <a:rPr lang="en-US" smtClean="0"/>
-              <a:t>10/2/17</a:t>
+              <a:t>5/14/18</a:t>
             </a:fld>
             <a:endParaRPr lang="en-US"/>
           </a:p>
@@ -2287,7 +2287,7 @@
           <a:p>
             <a:fld id="{2691D6E4-0F7A-0249-86EF-226720E50E4C}" type="datetimeFigureOut">
               <a:rPr lang="en-US" smtClean="0"/>
-              <a:t>10/2/17</a:t>
+              <a:t>5/14/18</a:t>
             </a:fld>
             <a:endParaRPr lang="en-US"/>
           </a:p>
@@ -2733,7 +2733,7 @@
           <a:p>
             <a:fld id="{2691D6E4-0F7A-0249-86EF-226720E50E4C}" type="datetimeFigureOut">
               <a:rPr lang="en-US" smtClean="0"/>
-              <a:t>10/2/17</a:t>
+              <a:t>5/14/18</a:t>
             </a:fld>
             <a:endParaRPr lang="en-US"/>
           </a:p>
@@ -2875,7 +2875,7 @@
           <a:p>
             <a:fld id="{2691D6E4-0F7A-0249-86EF-226720E50E4C}" type="datetimeFigureOut">
               <a:rPr lang="en-US" smtClean="0"/>
-              <a:t>10/2/17</a:t>
+              <a:t>5/14/18</a:t>
             </a:fld>
             <a:endParaRPr lang="en-US"/>
           </a:p>
@@ -2994,7 +2994,7 @@
           <a:p>
             <a:fld id="{2691D6E4-0F7A-0249-86EF-226720E50E4C}" type="datetimeFigureOut">
               <a:rPr lang="en-US" smtClean="0"/>
-              <a:t>10/2/17</a:t>
+              <a:t>5/14/18</a:t>
             </a:fld>
             <a:endParaRPr lang="en-US"/>
           </a:p>
@@ -3295,7 +3295,7 @@
           <a:p>
             <a:fld id="{2691D6E4-0F7A-0249-86EF-226720E50E4C}" type="datetimeFigureOut">
               <a:rPr lang="en-US" smtClean="0"/>
-              <a:t>10/2/17</a:t>
+              <a:t>5/14/18</a:t>
             </a:fld>
             <a:endParaRPr lang="en-US"/>
           </a:p>
@@ -3572,7 +3572,7 @@
           <a:p>
             <a:fld id="{2691D6E4-0F7A-0249-86EF-226720E50E4C}" type="datetimeFigureOut">
               <a:rPr lang="en-US" smtClean="0"/>
-              <a:t>10/2/17</a:t>
+              <a:t>5/14/18</a:t>
             </a:fld>
             <a:endParaRPr lang="en-US"/>
           </a:p>
@@ -4608,13 +4608,13 @@
           <a:lstStyle/>
           <a:p>
             <a:r>
-              <a:rPr lang="en-US" sz="1400" dirty="0" smtClean="0">
+              <a:rPr lang="en-US" sz="1400" smtClean="0">
                 <a:solidFill>
                   <a:srgbClr val="000000"/>
                 </a:solidFill>
                 <a:latin typeface="Helvetica" charset="0"/>
               </a:rPr>
-              <a:t>2017</a:t>
+              <a:t>2018, </a:t>
             </a:r>
             <a:r>
               <a:rPr lang="en-US" sz="1400" dirty="0">
@@ -4623,7 +4623,7 @@
                 </a:solidFill>
                 <a:latin typeface="Helvetica" charset="0"/>
               </a:rPr>
-              <a:t>, Copyright of David Beck, University of Washington. Provided under the </a:t>
+              <a:t>Copyright of David Beck, University of Washington. Provided under the </a:t>
             </a:r>
             <a:r>
               <a:rPr lang="en-US" sz="1400" dirty="0">
@@ -4736,13 +4736,8 @@
             <a:pPr lvl="1"/>
             <a:r>
               <a:rPr lang="en-US" dirty="0" smtClean="0"/>
-              <a:t>Download the </a:t>
-            </a:r>
-            <a:r>
-              <a:rPr lang="en-US" dirty="0" smtClean="0"/>
-              <a:t>rotating disk electrode data</a:t>
-            </a:r>
-            <a:endParaRPr lang="en-US" dirty="0" smtClean="0"/>
+              <a:t>Download the rotating disk electrode data</a:t>
+            </a:r>
           </a:p>
           <a:p>
             <a:pPr lvl="1"/>
@@ -7779,11 +7774,7 @@
           <a:p>
             <a:r>
               <a:rPr lang="en-US" dirty="0" smtClean="0"/>
-              <a:t>Why </a:t>
-            </a:r>
-            <a:r>
-              <a:rPr lang="en-US" dirty="0" smtClean="0"/>
-              <a:t>pointy-</a:t>
+              <a:t>Why pointy-</a:t>
             </a:r>
             <a:r>
               <a:rPr lang="en-US" dirty="0" err="1" smtClean="0"/>
@@ -7791,11 +7782,7 @@
             </a:r>
             <a:r>
               <a:rPr lang="en-US" dirty="0" smtClean="0"/>
-              <a:t> </a:t>
-            </a:r>
-            <a:r>
-              <a:rPr lang="en-US" dirty="0" smtClean="0"/>
-              <a:t>bad</a:t>
+              <a:t> bad</a:t>
             </a:r>
             <a:endParaRPr lang="en-US" dirty="0"/>
           </a:p>
@@ -8926,13 +8913,8 @@
             <a:pPr lvl="1"/>
             <a:r>
               <a:rPr lang="en-US" dirty="0" smtClean="0"/>
-              <a:t>Hitting tab will autocomplete the filename</a:t>
-            </a:r>
-            <a:r>
-              <a:rPr lang="en-US" dirty="0" smtClean="0"/>
-              <a:t>!</a:t>
-            </a:r>
-            <a:endParaRPr lang="en-US" dirty="0" smtClean="0"/>
+              <a:t>Hitting tab will autocomplete the filename!</a:t>
+            </a:r>
           </a:p>
         </p:txBody>
       </p:sp>
